--- a/22C_Final_Project/TeamProjectPresentation.pptx
+++ b/22C_Final_Project/TeamProjectPresentation.pptx
@@ -5,20 +5,23 @@
     <p:sldMasterId id="2147483648" r:id="rId1"/>
   </p:sldMasterIdLst>
   <p:notesMasterIdLst>
-    <p:notesMasterId r:id="rId13"/>
+    <p:notesMasterId r:id="rId16"/>
   </p:notesMasterIdLst>
   <p:sldIdLst>
     <p:sldId id="256" r:id="rId2"/>
     <p:sldId id="257" r:id="rId3"/>
-    <p:sldId id="263" r:id="rId4"/>
-    <p:sldId id="264" r:id="rId5"/>
-    <p:sldId id="258" r:id="rId6"/>
-    <p:sldId id="265" r:id="rId7"/>
-    <p:sldId id="266" r:id="rId8"/>
-    <p:sldId id="259" r:id="rId9"/>
-    <p:sldId id="260" r:id="rId10"/>
-    <p:sldId id="262" r:id="rId11"/>
-    <p:sldId id="261" r:id="rId12"/>
+    <p:sldId id="266" r:id="rId4"/>
+    <p:sldId id="263" r:id="rId5"/>
+    <p:sldId id="259" r:id="rId6"/>
+    <p:sldId id="258" r:id="rId7"/>
+    <p:sldId id="264" r:id="rId8"/>
+    <p:sldId id="267" r:id="rId9"/>
+    <p:sldId id="268" r:id="rId10"/>
+    <p:sldId id="265" r:id="rId11"/>
+    <p:sldId id="269" r:id="rId12"/>
+    <p:sldId id="260" r:id="rId13"/>
+    <p:sldId id="262" r:id="rId14"/>
+    <p:sldId id="261" r:id="rId15"/>
   </p:sldIdLst>
   <p:sldSz cx="12192000" cy="6858000"/>
   <p:notesSz cx="6858000" cy="9144000"/>
@@ -8116,6 +8119,266 @@
       </p:grpSpPr>
       <p:sp>
         <p:nvSpPr>
+          <p:cNvPr id="2" name="Title 1"/>
+          <p:cNvSpPr>
+            <a:spLocks noGrp="1"/>
+          </p:cNvSpPr>
+          <p:nvPr>
+            <p:ph type="title"/>
+          </p:nvPr>
+        </p:nvSpPr>
+        <p:spPr/>
+        <p:txBody>
+          <a:bodyPr/>
+          <a:lstStyle/>
+          <a:p>
+            <a:r>
+              <a:rPr lang="en-US" dirty="0" smtClean="0"/>
+              <a:t>UML</a:t>
+            </a:r>
+            <a:endParaRPr lang="en-US" dirty="0"/>
+          </a:p>
+        </p:txBody>
+      </p:sp>
+      <p:pic>
+        <p:nvPicPr>
+          <p:cNvPr id="4" name="Content Placeholder 3"/>
+          <p:cNvPicPr>
+            <a:picLocks noGrp="1" noChangeAspect="1"/>
+          </p:cNvPicPr>
+          <p:nvPr>
+            <p:ph idx="1"/>
+          </p:nvPr>
+        </p:nvPicPr>
+        <p:blipFill>
+          <a:blip r:embed="rId2">
+            <a:extLst>
+              <a:ext uri="{28A0092B-C50C-407E-A947-70E740481C1C}">
+                <a14:useLocalDpi xmlns:a14="http://schemas.microsoft.com/office/drawing/2010/main" val="0"/>
+              </a:ext>
+            </a:extLst>
+          </a:blip>
+          <a:stretch>
+            <a:fillRect/>
+          </a:stretch>
+        </p:blipFill>
+        <p:spPr>
+          <a:xfrm>
+            <a:off x="4084911" y="99367"/>
+            <a:ext cx="4477198" cy="6663630"/>
+          </a:xfrm>
+        </p:spPr>
+      </p:pic>
+    </p:spTree>
+    <p:extLst>
+      <p:ext uri="{BB962C8B-B14F-4D97-AF65-F5344CB8AC3E}">
+        <p14:creationId xmlns:p14="http://schemas.microsoft.com/office/powerpoint/2010/main" val="642551568"/>
+      </p:ext>
+    </p:extLst>
+  </p:cSld>
+  <p:clrMapOvr>
+    <a:masterClrMapping/>
+  </p:clrMapOvr>
+  <p:timing>
+    <p:tnLst>
+      <p:par>
+        <p:cTn id="1" dur="indefinite" restart="never" nodeType="tmRoot"/>
+      </p:par>
+    </p:tnLst>
+  </p:timing>
+</p:sld>
+</file>
+
+<file path=ppt/slides/slide11.xml><?xml version="1.0" encoding="utf-8"?>
+<p:sld xmlns:a="http://schemas.openxmlformats.org/drawingml/2006/main" xmlns:r="http://schemas.openxmlformats.org/officeDocument/2006/relationships" xmlns:p="http://schemas.openxmlformats.org/presentationml/2006/main">
+  <p:cSld>
+    <p:spTree>
+      <p:nvGrpSpPr>
+        <p:cNvPr id="1" name=""/>
+        <p:cNvGrpSpPr/>
+        <p:nvPr/>
+      </p:nvGrpSpPr>
+      <p:grpSpPr>
+        <a:xfrm>
+          <a:off x="0" y="0"/>
+          <a:ext cx="0" cy="0"/>
+          <a:chOff x="0" y="0"/>
+          <a:chExt cx="0" cy="0"/>
+        </a:xfrm>
+      </p:grpSpPr>
+      <p:sp>
+        <p:nvSpPr>
+          <p:cNvPr id="2" name="Title 1"/>
+          <p:cNvSpPr>
+            <a:spLocks noGrp="1"/>
+          </p:cNvSpPr>
+          <p:nvPr>
+            <p:ph type="title"/>
+          </p:nvPr>
+        </p:nvSpPr>
+        <p:spPr/>
+        <p:txBody>
+          <a:bodyPr/>
+          <a:lstStyle/>
+          <a:p>
+            <a:r>
+              <a:rPr lang="en-US" dirty="0" smtClean="0"/>
+              <a:t>Data Structure</a:t>
+            </a:r>
+            <a:endParaRPr lang="en-US" dirty="0"/>
+          </a:p>
+        </p:txBody>
+      </p:sp>
+      <p:pic>
+        <p:nvPicPr>
+          <p:cNvPr id="4" name="Content Placeholder 3"/>
+          <p:cNvPicPr>
+            <a:picLocks noGrp="1" noChangeAspect="1"/>
+          </p:cNvPicPr>
+          <p:nvPr>
+            <p:ph idx="1"/>
+          </p:nvPr>
+        </p:nvPicPr>
+        <p:blipFill>
+          <a:blip r:embed="rId2">
+            <a:extLst>
+              <a:ext uri="{28A0092B-C50C-407E-A947-70E740481C1C}">
+                <a14:useLocalDpi xmlns:a14="http://schemas.microsoft.com/office/drawing/2010/main" val="0"/>
+              </a:ext>
+            </a:extLst>
+          </a:blip>
+          <a:stretch>
+            <a:fillRect/>
+          </a:stretch>
+        </p:blipFill>
+        <p:spPr>
+          <a:xfrm>
+            <a:off x="1200876" y="2042600"/>
+            <a:ext cx="5899172" cy="4789660"/>
+          </a:xfrm>
+        </p:spPr>
+      </p:pic>
+    </p:spTree>
+    <p:extLst>
+      <p:ext uri="{BB962C8B-B14F-4D97-AF65-F5344CB8AC3E}">
+        <p14:creationId xmlns:p14="http://schemas.microsoft.com/office/powerpoint/2010/main" val="332344460"/>
+      </p:ext>
+    </p:extLst>
+  </p:cSld>
+  <p:clrMapOvr>
+    <a:masterClrMapping/>
+  </p:clrMapOvr>
+</p:sld>
+</file>
+
+<file path=ppt/slides/slide12.xml><?xml version="1.0" encoding="utf-8"?>
+<p:sld xmlns:a="http://schemas.openxmlformats.org/drawingml/2006/main" xmlns:r="http://schemas.openxmlformats.org/officeDocument/2006/relationships" xmlns:p="http://schemas.openxmlformats.org/presentationml/2006/main">
+  <p:cSld>
+    <p:spTree>
+      <p:nvGrpSpPr>
+        <p:cNvPr id="1" name=""/>
+        <p:cNvGrpSpPr/>
+        <p:nvPr/>
+      </p:nvGrpSpPr>
+      <p:grpSpPr>
+        <a:xfrm>
+          <a:off x="0" y="0"/>
+          <a:ext cx="0" cy="0"/>
+          <a:chOff x="0" y="0"/>
+          <a:chExt cx="0" cy="0"/>
+        </a:xfrm>
+      </p:grpSpPr>
+      <p:sp>
+        <p:nvSpPr>
+          <p:cNvPr id="2" name="Title 1"/>
+          <p:cNvSpPr>
+            <a:spLocks noGrp="1"/>
+          </p:cNvSpPr>
+          <p:nvPr>
+            <p:ph type="title"/>
+          </p:nvPr>
+        </p:nvSpPr>
+        <p:spPr/>
+        <p:txBody>
+          <a:bodyPr/>
+          <a:lstStyle/>
+          <a:p>
+            <a:r>
+              <a:rPr lang="en-US" dirty="0" smtClean="0"/>
+              <a:t>Structure Chart</a:t>
+            </a:r>
+            <a:endParaRPr lang="en-US" dirty="0"/>
+          </a:p>
+        </p:txBody>
+      </p:sp>
+      <p:pic>
+        <p:nvPicPr>
+          <p:cNvPr id="4" name="Content Placeholder 3"/>
+          <p:cNvPicPr>
+            <a:picLocks noGrp="1" noChangeAspect="1"/>
+          </p:cNvPicPr>
+          <p:nvPr>
+            <p:ph idx="1"/>
+          </p:nvPr>
+        </p:nvPicPr>
+        <p:blipFill>
+          <a:blip r:embed="rId2">
+            <a:extLst>
+              <a:ext uri="{28A0092B-C50C-407E-A947-70E740481C1C}">
+                <a14:useLocalDpi xmlns:a14="http://schemas.microsoft.com/office/drawing/2010/main" val="0"/>
+              </a:ext>
+            </a:extLst>
+          </a:blip>
+          <a:stretch>
+            <a:fillRect/>
+          </a:stretch>
+        </p:blipFill>
+        <p:spPr>
+          <a:xfrm>
+            <a:off x="4003416" y="885826"/>
+            <a:ext cx="8188584" cy="5400676"/>
+          </a:xfrm>
+        </p:spPr>
+      </p:pic>
+    </p:spTree>
+    <p:extLst>
+      <p:ext uri="{BB962C8B-B14F-4D97-AF65-F5344CB8AC3E}">
+        <p14:creationId xmlns:p14="http://schemas.microsoft.com/office/powerpoint/2010/main" val="1551198169"/>
+      </p:ext>
+    </p:extLst>
+  </p:cSld>
+  <p:clrMapOvr>
+    <a:masterClrMapping/>
+  </p:clrMapOvr>
+  <p:timing>
+    <p:tnLst>
+      <p:par>
+        <p:cTn id="1" dur="indefinite" restart="never" nodeType="tmRoot"/>
+      </p:par>
+    </p:tnLst>
+  </p:timing>
+</p:sld>
+</file>
+
+<file path=ppt/slides/slide13.xml><?xml version="1.0" encoding="utf-8"?>
+<p:sld xmlns:a="http://schemas.openxmlformats.org/drawingml/2006/main" xmlns:r="http://schemas.openxmlformats.org/officeDocument/2006/relationships" xmlns:p="http://schemas.openxmlformats.org/presentationml/2006/main">
+  <p:cSld>
+    <p:spTree>
+      <p:nvGrpSpPr>
+        <p:cNvPr id="1" name=""/>
+        <p:cNvGrpSpPr/>
+        <p:nvPr/>
+      </p:nvGrpSpPr>
+      <p:grpSpPr>
+        <a:xfrm>
+          <a:off x="0" y="0"/>
+          <a:ext cx="0" cy="0"/>
+          <a:chOff x="0" y="0"/>
+          <a:chExt cx="0" cy="0"/>
+        </a:xfrm>
+      </p:grpSpPr>
+      <p:sp>
+        <p:nvSpPr>
           <p:cNvPr id="2" name="TextBox 1"/>
           <p:cNvSpPr txBox="1"/>
           <p:nvPr/>
@@ -8164,7 +8427,7 @@
 </p:sld>
 </file>
 
-<file path=ppt/slides/slide11.xml><?xml version="1.0" encoding="utf-8"?>
+<file path=ppt/slides/slide14.xml><?xml version="1.0" encoding="utf-8"?>
 <p:sld xmlns:a="http://schemas.openxmlformats.org/drawingml/2006/main" xmlns:r="http://schemas.openxmlformats.org/officeDocument/2006/relationships" xmlns:p="http://schemas.openxmlformats.org/presentationml/2006/main">
   <p:cSld>
     <p:spTree>
@@ -8378,7 +8641,7 @@
           <a:p>
             <a:r>
               <a:rPr lang="en-US" dirty="0" smtClean="0"/>
-              <a:t>BST</a:t>
+              <a:t>UML</a:t>
             </a:r>
             <a:endParaRPr lang="en-US" dirty="0"/>
           </a:p>
@@ -8386,7 +8649,7 @@
       </p:sp>
       <p:pic>
         <p:nvPicPr>
-          <p:cNvPr id="4" name="Content Placeholder 3"/>
+          <p:cNvPr id="5" name="Content Placeholder 4"/>
           <p:cNvPicPr>
             <a:picLocks noGrp="1" noChangeAspect="1"/>
           </p:cNvPicPr>
@@ -8408,15 +8671,15 @@
         </p:blipFill>
         <p:spPr>
           <a:xfrm>
-            <a:off x="1341050" y="2336800"/>
-            <a:ext cx="8293875" cy="3598863"/>
+            <a:off x="3348842" y="-17812"/>
+            <a:ext cx="4868315" cy="6875812"/>
           </a:xfrm>
         </p:spPr>
       </p:pic>
     </p:spTree>
     <p:extLst>
       <p:ext uri="{BB962C8B-B14F-4D97-AF65-F5344CB8AC3E}">
-        <p14:creationId xmlns:p14="http://schemas.microsoft.com/office/powerpoint/2010/main" val="326669125"/>
+        <p14:creationId xmlns:p14="http://schemas.microsoft.com/office/powerpoint/2010/main" val="1214539016"/>
       </p:ext>
     </p:extLst>
   </p:cSld>
@@ -8466,36 +8729,46 @@
           <a:lstStyle/>
           <a:p>
             <a:r>
-              <a:rPr lang="en-US" dirty="0" err="1" smtClean="0"/>
-              <a:t>HashTable</a:t>
+              <a:rPr lang="en-US" dirty="0" smtClean="0"/>
+              <a:t>BST</a:t>
             </a:r>
             <a:endParaRPr lang="en-US" dirty="0"/>
           </a:p>
         </p:txBody>
       </p:sp>
-      <p:sp>
-        <p:nvSpPr>
-          <p:cNvPr id="3" name="Content Placeholder 2"/>
-          <p:cNvSpPr>
-            <a:spLocks noGrp="1"/>
-          </p:cNvSpPr>
+      <p:pic>
+        <p:nvPicPr>
+          <p:cNvPr id="4" name="Content Placeholder 3"/>
+          <p:cNvPicPr>
+            <a:picLocks noGrp="1" noChangeAspect="1"/>
+          </p:cNvPicPr>
           <p:nvPr>
             <p:ph idx="1"/>
           </p:nvPr>
-        </p:nvSpPr>
-        <p:spPr/>
-        <p:txBody>
-          <a:bodyPr/>
-          <a:lstStyle/>
-          <a:p>
-            <a:endParaRPr lang="en-US" dirty="0"/>
-          </a:p>
-        </p:txBody>
-      </p:sp>
+        </p:nvPicPr>
+        <p:blipFill>
+          <a:blip r:embed="rId2">
+            <a:extLst>
+              <a:ext uri="{28A0092B-C50C-407E-A947-70E740481C1C}">
+                <a14:useLocalDpi xmlns:a14="http://schemas.microsoft.com/office/drawing/2010/main" val="0"/>
+              </a:ext>
+            </a:extLst>
+          </a:blip>
+          <a:stretch>
+            <a:fillRect/>
+          </a:stretch>
+        </p:blipFill>
+        <p:spPr>
+          <a:xfrm>
+            <a:off x="1341050" y="2336800"/>
+            <a:ext cx="8293875" cy="3598863"/>
+          </a:xfrm>
+        </p:spPr>
+      </p:pic>
     </p:spTree>
     <p:extLst>
       <p:ext uri="{BB962C8B-B14F-4D97-AF65-F5344CB8AC3E}">
-        <p14:creationId xmlns:p14="http://schemas.microsoft.com/office/powerpoint/2010/main" val="1359782143"/>
+        <p14:creationId xmlns:p14="http://schemas.microsoft.com/office/powerpoint/2010/main" val="326669125"/>
       </p:ext>
     </p:extLst>
   </p:cSld>
@@ -8541,12 +8814,25 @@
         </p:nvSpPr>
         <p:spPr/>
         <p:txBody>
-          <a:bodyPr/>
+          <a:bodyPr>
+            <a:normAutofit/>
+          </a:bodyPr>
           <a:lstStyle/>
           <a:p>
             <a:r>
               <a:rPr lang="en-US" dirty="0" smtClean="0"/>
-              <a:t>UML</a:t>
+              <a:t>Data </a:t>
+            </a:r>
+            <a:r>
+              <a:rPr lang="en-US" dirty="0" smtClean="0"/>
+              <a:t>Structure </a:t>
+            </a:r>
+            <a:br>
+              <a:rPr lang="en-US" dirty="0" smtClean="0"/>
+            </a:br>
+            <a:r>
+              <a:rPr lang="en-US" dirty="0" smtClean="0"/>
+              <a:t>Hash List</a:t>
             </a:r>
             <a:endParaRPr lang="en-US" dirty="0"/>
           </a:p>
@@ -8576,15 +8862,15 @@
         </p:blipFill>
         <p:spPr>
           <a:xfrm>
-            <a:off x="3847604" y="261258"/>
-            <a:ext cx="3384469" cy="6596741"/>
+            <a:off x="3942609" y="356260"/>
+            <a:ext cx="8228924" cy="6080166"/>
           </a:xfrm>
         </p:spPr>
       </p:pic>
     </p:spTree>
     <p:extLst>
       <p:ext uri="{BB962C8B-B14F-4D97-AF65-F5344CB8AC3E}">
-        <p14:creationId xmlns:p14="http://schemas.microsoft.com/office/powerpoint/2010/main" val="779310198"/>
+        <p14:creationId xmlns:p14="http://schemas.microsoft.com/office/powerpoint/2010/main" val="363734733"/>
       </p:ext>
     </p:extLst>
   </p:cSld>
@@ -8643,7 +8929,7 @@
       </p:sp>
       <p:pic>
         <p:nvPicPr>
-          <p:cNvPr id="4" name="Content Placeholder 3"/>
+          <p:cNvPr id="6" name="Content Placeholder 5"/>
           <p:cNvPicPr>
             <a:picLocks noGrp="1" noChangeAspect="1"/>
           </p:cNvPicPr>
@@ -8665,15 +8951,15 @@
         </p:blipFill>
         <p:spPr>
           <a:xfrm>
-            <a:off x="4084911" y="99367"/>
-            <a:ext cx="4477198" cy="6663630"/>
+            <a:off x="3847604" y="261258"/>
+            <a:ext cx="3384469" cy="6596741"/>
           </a:xfrm>
         </p:spPr>
       </p:pic>
     </p:spTree>
     <p:extLst>
       <p:ext uri="{BB962C8B-B14F-4D97-AF65-F5344CB8AC3E}">
-        <p14:creationId xmlns:p14="http://schemas.microsoft.com/office/powerpoint/2010/main" val="642551568"/>
+        <p14:creationId xmlns:p14="http://schemas.microsoft.com/office/powerpoint/2010/main" val="779310198"/>
       </p:ext>
     </p:extLst>
   </p:cSld>
@@ -8724,7 +9010,7 @@
           <a:p>
             <a:r>
               <a:rPr lang="en-US" dirty="0" smtClean="0"/>
-              <a:t>UML</a:t>
+              <a:t>Hash  Function</a:t>
             </a:r>
             <a:endParaRPr lang="en-US" dirty="0"/>
           </a:p>
@@ -8732,7 +9018,7 @@
       </p:sp>
       <p:pic>
         <p:nvPicPr>
-          <p:cNvPr id="5" name="Content Placeholder 4"/>
+          <p:cNvPr id="4" name="Content Placeholder 3"/>
           <p:cNvPicPr>
             <a:picLocks noGrp="1" noChangeAspect="1"/>
           </p:cNvPicPr>
@@ -8754,15 +9040,15 @@
         </p:blipFill>
         <p:spPr>
           <a:xfrm>
-            <a:off x="3348842" y="-17812"/>
-            <a:ext cx="4868315" cy="6875812"/>
+            <a:off x="0" y="1959581"/>
+            <a:ext cx="9162925" cy="4898419"/>
           </a:xfrm>
         </p:spPr>
       </p:pic>
     </p:spTree>
     <p:extLst>
       <p:ext uri="{BB962C8B-B14F-4D97-AF65-F5344CB8AC3E}">
-        <p14:creationId xmlns:p14="http://schemas.microsoft.com/office/powerpoint/2010/main" val="1214539016"/>
+        <p14:creationId xmlns:p14="http://schemas.microsoft.com/office/powerpoint/2010/main" val="1359782143"/>
       </p:ext>
     </p:extLst>
   </p:cSld>
@@ -8813,7 +9099,7 @@
           <a:p>
             <a:r>
               <a:rPr lang="en-US" dirty="0" smtClean="0"/>
-              <a:t>Data Structure</a:t>
+              <a:t>Collision Resolution Function</a:t>
             </a:r>
             <a:endParaRPr lang="en-US" dirty="0"/>
           </a:p>
@@ -8821,7 +9107,7 @@
       </p:sp>
       <p:pic>
         <p:nvPicPr>
-          <p:cNvPr id="6" name="Content Placeholder 5"/>
+          <p:cNvPr id="4" name="Content Placeholder 3"/>
           <p:cNvPicPr>
             <a:picLocks noGrp="1" noChangeAspect="1"/>
           </p:cNvPicPr>
@@ -8843,15 +9129,15 @@
         </p:blipFill>
         <p:spPr>
           <a:xfrm>
-            <a:off x="3942609" y="356260"/>
-            <a:ext cx="8228924" cy="6080166"/>
+            <a:off x="996" y="2183790"/>
+            <a:ext cx="10972509" cy="4674210"/>
           </a:xfrm>
         </p:spPr>
       </p:pic>
     </p:spTree>
     <p:extLst>
       <p:ext uri="{BB962C8B-B14F-4D97-AF65-F5344CB8AC3E}">
-        <p14:creationId xmlns:p14="http://schemas.microsoft.com/office/powerpoint/2010/main" val="363734733"/>
+        <p14:creationId xmlns:p14="http://schemas.microsoft.com/office/powerpoint/2010/main" val="259395067"/>
       </p:ext>
     </p:extLst>
   </p:cSld>
@@ -8895,16 +9181,21 @@
             <p:ph type="title"/>
           </p:nvPr>
         </p:nvSpPr>
-        <p:spPr/>
+        <p:spPr>
+          <a:xfrm>
+            <a:off x="1" y="779928"/>
+            <a:ext cx="10294182" cy="1054237"/>
+          </a:xfrm>
+        </p:spPr>
         <p:txBody>
           <a:bodyPr/>
           <a:lstStyle/>
           <a:p>
             <a:r>
-              <a:rPr lang="en-US" dirty="0" smtClean="0"/>
-              <a:t>Structure Chart</a:t>
-            </a:r>
-            <a:endParaRPr lang="en-US" dirty="0"/>
+              <a:rPr lang="en-US" smtClean="0"/>
+              <a:t>Rehashing Function</a:t>
+            </a:r>
+            <a:endParaRPr lang="en-US"/>
           </a:p>
         </p:txBody>
       </p:sp>
@@ -8932,15 +9223,15 @@
         </p:blipFill>
         <p:spPr>
           <a:xfrm>
-            <a:off x="4003416" y="885826"/>
-            <a:ext cx="8188584" cy="5400676"/>
+            <a:off x="0" y="1834165"/>
+            <a:ext cx="9448801" cy="5023835"/>
           </a:xfrm>
         </p:spPr>
       </p:pic>
     </p:spTree>
     <p:extLst>
       <p:ext uri="{BB962C8B-B14F-4D97-AF65-F5344CB8AC3E}">
-        <p14:creationId xmlns:p14="http://schemas.microsoft.com/office/powerpoint/2010/main" val="1551198169"/>
+        <p14:creationId xmlns:p14="http://schemas.microsoft.com/office/powerpoint/2010/main" val="1922106510"/>
       </p:ext>
     </p:extLst>
   </p:cSld>
